--- a/slides/Ideas.pptx
+++ b/slides/Ideas.pptx
@@ -5,7 +5,8 @@
     <p:sldMasterId id="2147483648" r:id="rId1"/>
   </p:sldMasterIdLst>
   <p:sldIdLst>
-    <p:sldId id="256" r:id="rId2"/>
+    <p:sldId id="257" r:id="rId2"/>
+    <p:sldId id="256" r:id="rId3"/>
   </p:sldIdLst>
   <p:sldSz cx="12192000" cy="6858000"/>
   <p:notesSz cx="6858000" cy="9144000"/>
@@ -3321,53 +3322,183 @@
           <a:chExt cx="0" cy="0"/>
         </a:xfrm>
       </p:grpSpPr>
-      <p:sp>
-        <p:nvSpPr>
-          <p:cNvPr id="2" name="Titolo 1">
-            <a:extLst>
-              <a:ext uri="{FF2B5EF4-FFF2-40B4-BE49-F238E27FC236}">
-                <a16:creationId xmlns:a16="http://schemas.microsoft.com/office/drawing/2014/main" id="{9E5EDA97-7D56-4BB2-5C39-2D4EC6C3779E}"/>
-              </a:ext>
-            </a:extLst>
-          </p:cNvPr>
-          <p:cNvSpPr>
-            <a:spLocks noGrp="1"/>
-          </p:cNvSpPr>
-          <p:nvPr>
-            <p:ph type="ctrTitle"/>
-          </p:nvPr>
-        </p:nvSpPr>
-        <p:spPr/>
-        <p:txBody>
-          <a:bodyPr/>
-          <a:lstStyle/>
-          <a:p>
-            <a:endParaRPr lang="it-IT"/>
-          </a:p>
-        </p:txBody>
-      </p:sp>
-      <p:sp>
-        <p:nvSpPr>
-          <p:cNvPr id="3" name="Sottotitolo 2">
-            <a:extLst>
-              <a:ext uri="{FF2B5EF4-FFF2-40B4-BE49-F238E27FC236}">
-                <a16:creationId xmlns:a16="http://schemas.microsoft.com/office/drawing/2014/main" id="{81D4DC2C-77F2-07F0-82A9-EDB63727A288}"/>
-              </a:ext>
-            </a:extLst>
-          </p:cNvPr>
-          <p:cNvSpPr>
-            <a:spLocks noGrp="1"/>
-          </p:cNvSpPr>
-          <p:nvPr>
-            <p:ph type="subTitle" idx="1"/>
-          </p:nvPr>
-        </p:nvSpPr>
-        <p:spPr/>
-        <p:txBody>
-          <a:bodyPr/>
-          <a:lstStyle/>
-          <a:p>
-            <a:endParaRPr lang="it-IT"/>
+      <p:pic>
+        <p:nvPicPr>
+          <p:cNvPr id="3" name="Immagine 2" descr="Immagine che contiene Viso umano, persona, bevanda, interno&#10;&#10;Descrizione generata automaticamente">
+            <a:extLst>
+              <a:ext uri="{FF2B5EF4-FFF2-40B4-BE49-F238E27FC236}">
+                <a16:creationId xmlns:a16="http://schemas.microsoft.com/office/drawing/2014/main" id="{3E0D40FD-6F0E-9FA4-874A-ABD5CBF4D0E2}"/>
+              </a:ext>
+            </a:extLst>
+          </p:cNvPr>
+          <p:cNvPicPr>
+            <a:picLocks noChangeAspect="1"/>
+          </p:cNvPicPr>
+          <p:nvPr/>
+        </p:nvPicPr>
+        <p:blipFill>
+          <a:blip r:embed="rId2">
+            <a:extLst>
+              <a:ext uri="{28A0092B-C50C-407E-A947-70E740481C1C}">
+                <a14:useLocalDpi xmlns:a14="http://schemas.microsoft.com/office/drawing/2010/main" val="0"/>
+              </a:ext>
+            </a:extLst>
+          </a:blip>
+          <a:stretch>
+            <a:fillRect/>
+          </a:stretch>
+        </p:blipFill>
+        <p:spPr>
+          <a:xfrm>
+            <a:off x="2438400" y="990600"/>
+            <a:ext cx="7315200" cy="4876800"/>
+          </a:xfrm>
+          <a:prstGeom prst="rect">
+            <a:avLst/>
+          </a:prstGeom>
+        </p:spPr>
+      </p:pic>
+    </p:spTree>
+    <p:extLst>
+      <p:ext uri="{BB962C8B-B14F-4D97-AF65-F5344CB8AC3E}">
+        <p14:creationId xmlns:p14="http://schemas.microsoft.com/office/powerpoint/2010/main" val="1392314030"/>
+      </p:ext>
+    </p:extLst>
+  </p:cSld>
+  <p:clrMapOvr>
+    <a:masterClrMapping/>
+  </p:clrMapOvr>
+</p:sld>
+</file>
+
+<file path=ppt/slides/slide2.xml><?xml version="1.0" encoding="utf-8"?>
+<p:sld xmlns:a="http://schemas.openxmlformats.org/drawingml/2006/main" xmlns:r="http://schemas.openxmlformats.org/officeDocument/2006/relationships" xmlns:p="http://schemas.openxmlformats.org/presentationml/2006/main">
+  <p:cSld>
+    <p:spTree>
+      <p:nvGrpSpPr>
+        <p:cNvPr id="1" name=""/>
+        <p:cNvGrpSpPr/>
+        <p:nvPr/>
+      </p:nvGrpSpPr>
+      <p:grpSpPr>
+        <a:xfrm>
+          <a:off x="0" y="0"/>
+          <a:ext cx="0" cy="0"/>
+          <a:chOff x="0" y="0"/>
+          <a:chExt cx="0" cy="0"/>
+        </a:xfrm>
+      </p:grpSpPr>
+      <p:pic>
+        <p:nvPicPr>
+          <p:cNvPr id="5" name="Immagine 4" descr="Immagine che contiene testo, Viso umano, uomo, poster&#10;&#10;Descrizione generata automaticamente">
+            <a:extLst>
+              <a:ext uri="{FF2B5EF4-FFF2-40B4-BE49-F238E27FC236}">
+                <a16:creationId xmlns:a16="http://schemas.microsoft.com/office/drawing/2014/main" id="{31A4812A-6AF5-920A-C762-913CDA59241E}"/>
+              </a:ext>
+            </a:extLst>
+          </p:cNvPr>
+          <p:cNvPicPr>
+            <a:picLocks noChangeAspect="1"/>
+          </p:cNvPicPr>
+          <p:nvPr/>
+        </p:nvPicPr>
+        <p:blipFill>
+          <a:blip r:embed="rId2">
+            <a:extLst>
+              <a:ext uri="{28A0092B-C50C-407E-A947-70E740481C1C}">
+                <a14:useLocalDpi xmlns:a14="http://schemas.microsoft.com/office/drawing/2010/main" val="0"/>
+              </a:ext>
+            </a:extLst>
+          </a:blip>
+          <a:stretch>
+            <a:fillRect/>
+          </a:stretch>
+        </p:blipFill>
+        <p:spPr>
+          <a:xfrm>
+            <a:off x="378691" y="482600"/>
+            <a:ext cx="7315200" cy="4876800"/>
+          </a:xfrm>
+          <a:prstGeom prst="rect">
+            <a:avLst/>
+          </a:prstGeom>
+        </p:spPr>
+      </p:pic>
+      <p:sp>
+        <p:nvSpPr>
+          <p:cNvPr id="6" name="Rettangolo con angoli arrotondati 5">
+            <a:extLst>
+              <a:ext uri="{FF2B5EF4-FFF2-40B4-BE49-F238E27FC236}">
+                <a16:creationId xmlns:a16="http://schemas.microsoft.com/office/drawing/2014/main" id="{2CFBECB5-5FE7-8172-E71F-D206BB452E21}"/>
+              </a:ext>
+            </a:extLst>
+          </p:cNvPr>
+          <p:cNvSpPr/>
+          <p:nvPr/>
+        </p:nvSpPr>
+        <p:spPr>
+          <a:xfrm>
+            <a:off x="8007927" y="482600"/>
+            <a:ext cx="3805382" cy="4876800"/>
+          </a:xfrm>
+          <a:prstGeom prst="roundRect">
+            <a:avLst/>
+          </a:prstGeom>
+        </p:spPr>
+        <p:style>
+          <a:lnRef idx="2">
+            <a:schemeClr val="accent1">
+              <a:shade val="15000"/>
+            </a:schemeClr>
+          </a:lnRef>
+          <a:fillRef idx="1">
+            <a:schemeClr val="accent1"/>
+          </a:fillRef>
+          <a:effectRef idx="0">
+            <a:schemeClr val="accent1"/>
+          </a:effectRef>
+          <a:fontRef idx="minor">
+            <a:schemeClr val="lt1"/>
+          </a:fontRef>
+        </p:style>
+        <p:txBody>
+          <a:bodyPr rtlCol="0" anchor="ctr"/>
+          <a:lstStyle/>
+          <a:p>
+            <a:pPr algn="ctr"/>
+            <a:r>
+              <a:rPr lang="it-IT" sz="3200" dirty="0" err="1"/>
+              <a:t>Everything</a:t>
+            </a:r>
+            <a:r>
+              <a:rPr lang="it-IT" sz="3200" dirty="0"/>
+              <a:t> in </a:t>
+            </a:r>
+          </a:p>
+          <a:p>
+            <a:pPr algn="ctr"/>
+            <a:r>
+              <a:rPr lang="it-IT" sz="3200" strike="sngStrike" dirty="0"/>
+              <a:t>Beer Production</a:t>
+            </a:r>
+          </a:p>
+          <a:p>
+            <a:pPr algn="ctr"/>
+            <a:r>
+              <a:rPr lang="it-IT" sz="3200" dirty="0"/>
+              <a:t>Software Architecture </a:t>
+            </a:r>
+          </a:p>
+          <a:p>
+            <a:pPr algn="ctr"/>
+            <a:r>
+              <a:rPr lang="it-IT" sz="3200" dirty="0" err="1"/>
+              <a:t>is</a:t>
+            </a:r>
+            <a:r>
+              <a:rPr lang="it-IT" sz="3200" dirty="0"/>
+              <a:t> a Trade-Off</a:t>
+            </a:r>
           </a:p>
         </p:txBody>
       </p:sp>

--- a/slides/Ideas.pptx
+++ b/slides/Ideas.pptx
@@ -5,8 +5,13 @@
     <p:sldMasterId id="2147483648" r:id="rId1"/>
   </p:sldMasterIdLst>
   <p:sldIdLst>
-    <p:sldId id="257" r:id="rId2"/>
-    <p:sldId id="256" r:id="rId3"/>
+    <p:sldId id="259" r:id="rId2"/>
+    <p:sldId id="260" r:id="rId3"/>
+    <p:sldId id="261" r:id="rId4"/>
+    <p:sldId id="262" r:id="rId5"/>
+    <p:sldId id="257" r:id="rId6"/>
+    <p:sldId id="258" r:id="rId7"/>
+    <p:sldId id="256" r:id="rId8"/>
   </p:sldIdLst>
   <p:sldSz cx="12192000" cy="6858000"/>
   <p:notesSz cx="6858000" cy="9144000"/>
@@ -105,6 +110,11 @@
       </a:defRPr>
     </a:lvl9pPr>
   </p:defaultTextStyle>
+  <p:extLst>
+    <p:ext uri="{EFAFB233-063F-42B5-8137-9DF3F51BA10A}">
+      <p15:sldGuideLst xmlns:p15="http://schemas.microsoft.com/office/powerpoint/2012/main"/>
+    </p:ext>
+  </p:extLst>
 </p:presentation>
 </file>
 
@@ -255,7 +265,7 @@
           <a:p>
             <a:fld id="{76D42F78-6B7D-4A7B-B0D8-3836E1A654CB}" type="datetimeFigureOut">
               <a:rPr lang="it-IT" smtClean="0"/>
-              <a:t>05/01/2024</a:t>
+              <a:t>07/01/2024</a:t>
             </a:fld>
             <a:endParaRPr lang="it-IT"/>
           </a:p>
@@ -453,7 +463,7 @@
           <a:p>
             <a:fld id="{76D42F78-6B7D-4A7B-B0D8-3836E1A654CB}" type="datetimeFigureOut">
               <a:rPr lang="it-IT" smtClean="0"/>
-              <a:t>05/01/2024</a:t>
+              <a:t>07/01/2024</a:t>
             </a:fld>
             <a:endParaRPr lang="it-IT"/>
           </a:p>
@@ -661,7 +671,7 @@
           <a:p>
             <a:fld id="{76D42F78-6B7D-4A7B-B0D8-3836E1A654CB}" type="datetimeFigureOut">
               <a:rPr lang="it-IT" smtClean="0"/>
-              <a:t>05/01/2024</a:t>
+              <a:t>07/01/2024</a:t>
             </a:fld>
             <a:endParaRPr lang="it-IT"/>
           </a:p>
@@ -859,7 +869,7 @@
           <a:p>
             <a:fld id="{76D42F78-6B7D-4A7B-B0D8-3836E1A654CB}" type="datetimeFigureOut">
               <a:rPr lang="it-IT" smtClean="0"/>
-              <a:t>05/01/2024</a:t>
+              <a:t>07/01/2024</a:t>
             </a:fld>
             <a:endParaRPr lang="it-IT"/>
           </a:p>
@@ -1134,7 +1144,7 @@
           <a:p>
             <a:fld id="{76D42F78-6B7D-4A7B-B0D8-3836E1A654CB}" type="datetimeFigureOut">
               <a:rPr lang="it-IT" smtClean="0"/>
-              <a:t>05/01/2024</a:t>
+              <a:t>07/01/2024</a:t>
             </a:fld>
             <a:endParaRPr lang="it-IT"/>
           </a:p>
@@ -1399,7 +1409,7 @@
           <a:p>
             <a:fld id="{76D42F78-6B7D-4A7B-B0D8-3836E1A654CB}" type="datetimeFigureOut">
               <a:rPr lang="it-IT" smtClean="0"/>
-              <a:t>05/01/2024</a:t>
+              <a:t>07/01/2024</a:t>
             </a:fld>
             <a:endParaRPr lang="it-IT"/>
           </a:p>
@@ -1811,7 +1821,7 @@
           <a:p>
             <a:fld id="{76D42F78-6B7D-4A7B-B0D8-3836E1A654CB}" type="datetimeFigureOut">
               <a:rPr lang="it-IT" smtClean="0"/>
-              <a:t>05/01/2024</a:t>
+              <a:t>07/01/2024</a:t>
             </a:fld>
             <a:endParaRPr lang="it-IT"/>
           </a:p>
@@ -1952,7 +1962,7 @@
           <a:p>
             <a:fld id="{76D42F78-6B7D-4A7B-B0D8-3836E1A654CB}" type="datetimeFigureOut">
               <a:rPr lang="it-IT" smtClean="0"/>
-              <a:t>05/01/2024</a:t>
+              <a:t>07/01/2024</a:t>
             </a:fld>
             <a:endParaRPr lang="it-IT"/>
           </a:p>
@@ -2065,7 +2075,7 @@
           <a:p>
             <a:fld id="{76D42F78-6B7D-4A7B-B0D8-3836E1A654CB}" type="datetimeFigureOut">
               <a:rPr lang="it-IT" smtClean="0"/>
-              <a:t>05/01/2024</a:t>
+              <a:t>07/01/2024</a:t>
             </a:fld>
             <a:endParaRPr lang="it-IT"/>
           </a:p>
@@ -2376,7 +2386,7 @@
           <a:p>
             <a:fld id="{76D42F78-6B7D-4A7B-B0D8-3836E1A654CB}" type="datetimeFigureOut">
               <a:rPr lang="it-IT" smtClean="0"/>
-              <a:t>05/01/2024</a:t>
+              <a:t>07/01/2024</a:t>
             </a:fld>
             <a:endParaRPr lang="it-IT"/>
           </a:p>
@@ -2664,7 +2674,7 @@
           <a:p>
             <a:fld id="{76D42F78-6B7D-4A7B-B0D8-3836E1A654CB}" type="datetimeFigureOut">
               <a:rPr lang="it-IT" smtClean="0"/>
-              <a:t>05/01/2024</a:t>
+              <a:t>07/01/2024</a:t>
             </a:fld>
             <a:endParaRPr lang="it-IT"/>
           </a:p>
@@ -2905,7 +2915,7 @@
           <a:p>
             <a:fld id="{76D42F78-6B7D-4A7B-B0D8-3836E1A654CB}" type="datetimeFigureOut">
               <a:rPr lang="it-IT" smtClean="0"/>
-              <a:t>05/01/2024</a:t>
+              <a:t>07/01/2024</a:t>
             </a:fld>
             <a:endParaRPr lang="it-IT"/>
           </a:p>
@@ -3322,12 +3332,61 @@
           <a:chExt cx="0" cy="0"/>
         </a:xfrm>
       </p:grpSpPr>
+      <p:sp>
+        <p:nvSpPr>
+          <p:cNvPr id="5" name="CasellaDiTesto 4">
+            <a:extLst>
+              <a:ext uri="{FF2B5EF4-FFF2-40B4-BE49-F238E27FC236}">
+                <a16:creationId xmlns:a16="http://schemas.microsoft.com/office/drawing/2014/main" id="{84333A05-2E1C-A2DC-EC0E-253139F7CBE8}"/>
+              </a:ext>
+            </a:extLst>
+          </p:cNvPr>
+          <p:cNvSpPr txBox="1"/>
+          <p:nvPr/>
+        </p:nvSpPr>
+        <p:spPr>
+          <a:xfrm>
+            <a:off x="1384235" y="6000673"/>
+            <a:ext cx="9615054" cy="369332"/>
+          </a:xfrm>
+          <a:prstGeom prst="rect">
+            <a:avLst/>
+          </a:prstGeom>
+          <a:noFill/>
+        </p:spPr>
+        <p:txBody>
+          <a:bodyPr wrap="square" rtlCol="0">
+            <a:spAutoFit/>
+          </a:bodyPr>
+          <a:lstStyle/>
+          <a:p>
+            <a:pPr algn="ctr"/>
+            <a:r>
+              <a:rPr lang="it-IT" dirty="0"/>
+              <a:t>A supplier </a:t>
+            </a:r>
+            <a:r>
+              <a:rPr lang="it-IT" dirty="0" err="1"/>
+              <a:t>all</a:t>
+            </a:r>
+            <a:r>
+              <a:rPr lang="it-IT" dirty="0"/>
+              <a:t> to </a:t>
+            </a:r>
+            <a:r>
+              <a:rPr lang="it-IT" dirty="0" err="1"/>
+              <a:t>myself</a:t>
+            </a:r>
+            <a:endParaRPr lang="it-IT" dirty="0"/>
+          </a:p>
+        </p:txBody>
+      </p:sp>
       <p:pic>
         <p:nvPicPr>
-          <p:cNvPr id="3" name="Immagine 2" descr="Immagine che contiene Viso umano, persona, bevanda, interno&#10;&#10;Descrizione generata automaticamente">
-            <a:extLst>
-              <a:ext uri="{FF2B5EF4-FFF2-40B4-BE49-F238E27FC236}">
-                <a16:creationId xmlns:a16="http://schemas.microsoft.com/office/drawing/2014/main" id="{3E0D40FD-6F0E-9FA4-874A-ABD5CBF4D0E2}"/>
+          <p:cNvPr id="3" name="Immagine 2" descr="Immagine che contiene persona, Viso umano, bevanda, bevanda alcolica&#10;&#10;Descrizione generata automaticamente">
+            <a:extLst>
+              <a:ext uri="{FF2B5EF4-FFF2-40B4-BE49-F238E27FC236}">
+                <a16:creationId xmlns:a16="http://schemas.microsoft.com/office/drawing/2014/main" id="{09197732-410E-00CE-4955-30E094B879AF}"/>
               </a:ext>
             </a:extLst>
           </p:cNvPr>
@@ -3361,6 +3420,445 @@
     </p:spTree>
     <p:extLst>
       <p:ext uri="{BB962C8B-B14F-4D97-AF65-F5344CB8AC3E}">
+        <p14:creationId xmlns:p14="http://schemas.microsoft.com/office/powerpoint/2010/main" val="1892081213"/>
+      </p:ext>
+    </p:extLst>
+  </p:cSld>
+  <p:clrMapOvr>
+    <a:masterClrMapping/>
+  </p:clrMapOvr>
+</p:sld>
+</file>
+
+<file path=ppt/slides/slide2.xml><?xml version="1.0" encoding="utf-8"?>
+<p:sld xmlns:a="http://schemas.openxmlformats.org/drawingml/2006/main" xmlns:r="http://schemas.openxmlformats.org/officeDocument/2006/relationships" xmlns:p="http://schemas.openxmlformats.org/presentationml/2006/main">
+  <p:cSld>
+    <p:spTree>
+      <p:nvGrpSpPr>
+        <p:cNvPr id="1" name=""/>
+        <p:cNvGrpSpPr/>
+        <p:nvPr/>
+      </p:nvGrpSpPr>
+      <p:grpSpPr>
+        <a:xfrm>
+          <a:off x="0" y="0"/>
+          <a:ext cx="0" cy="0"/>
+          <a:chOff x="0" y="0"/>
+          <a:chExt cx="0" cy="0"/>
+        </a:xfrm>
+      </p:grpSpPr>
+      <p:sp>
+        <p:nvSpPr>
+          <p:cNvPr id="5" name="CasellaDiTesto 4">
+            <a:extLst>
+              <a:ext uri="{FF2B5EF4-FFF2-40B4-BE49-F238E27FC236}">
+                <a16:creationId xmlns:a16="http://schemas.microsoft.com/office/drawing/2014/main" id="{84333A05-2E1C-A2DC-EC0E-253139F7CBE8}"/>
+              </a:ext>
+            </a:extLst>
+          </p:cNvPr>
+          <p:cNvSpPr txBox="1"/>
+          <p:nvPr/>
+        </p:nvSpPr>
+        <p:spPr>
+          <a:xfrm>
+            <a:off x="1384235" y="6000673"/>
+            <a:ext cx="9615054" cy="369332"/>
+          </a:xfrm>
+          <a:prstGeom prst="rect">
+            <a:avLst/>
+          </a:prstGeom>
+          <a:noFill/>
+        </p:spPr>
+        <p:txBody>
+          <a:bodyPr wrap="square" rtlCol="0">
+            <a:spAutoFit/>
+          </a:bodyPr>
+          <a:lstStyle/>
+          <a:p>
+            <a:pPr algn="ctr"/>
+            <a:r>
+              <a:rPr lang="it-IT" dirty="0"/>
+              <a:t>An happy supplier</a:t>
+            </a:r>
+          </a:p>
+        </p:txBody>
+      </p:sp>
+      <p:pic>
+        <p:nvPicPr>
+          <p:cNvPr id="4" name="Immagine 3" descr="Immagine che contiene persona, vestiti, interno, birrificio&#10;&#10;Descrizione generata automaticamente">
+            <a:extLst>
+              <a:ext uri="{FF2B5EF4-FFF2-40B4-BE49-F238E27FC236}">
+                <a16:creationId xmlns:a16="http://schemas.microsoft.com/office/drawing/2014/main" id="{8E8F5AED-9677-7A6B-3AFA-D95509E191B5}"/>
+              </a:ext>
+            </a:extLst>
+          </p:cNvPr>
+          <p:cNvPicPr>
+            <a:picLocks noChangeAspect="1"/>
+          </p:cNvPicPr>
+          <p:nvPr/>
+        </p:nvPicPr>
+        <p:blipFill>
+          <a:blip r:embed="rId2">
+            <a:extLst>
+              <a:ext uri="{28A0092B-C50C-407E-A947-70E740481C1C}">
+                <a14:useLocalDpi xmlns:a14="http://schemas.microsoft.com/office/drawing/2010/main" val="0"/>
+              </a:ext>
+            </a:extLst>
+          </a:blip>
+          <a:stretch>
+            <a:fillRect/>
+          </a:stretch>
+        </p:blipFill>
+        <p:spPr>
+          <a:xfrm>
+            <a:off x="2438400" y="990600"/>
+            <a:ext cx="7315200" cy="4876800"/>
+          </a:xfrm>
+          <a:prstGeom prst="rect">
+            <a:avLst/>
+          </a:prstGeom>
+        </p:spPr>
+      </p:pic>
+    </p:spTree>
+    <p:extLst>
+      <p:ext uri="{BB962C8B-B14F-4D97-AF65-F5344CB8AC3E}">
+        <p14:creationId xmlns:p14="http://schemas.microsoft.com/office/powerpoint/2010/main" val="3265155134"/>
+      </p:ext>
+    </p:extLst>
+  </p:cSld>
+  <p:clrMapOvr>
+    <a:masterClrMapping/>
+  </p:clrMapOvr>
+</p:sld>
+</file>
+
+<file path=ppt/slides/slide3.xml><?xml version="1.0" encoding="utf-8"?>
+<p:sld xmlns:a="http://schemas.openxmlformats.org/drawingml/2006/main" xmlns:r="http://schemas.openxmlformats.org/officeDocument/2006/relationships" xmlns:p="http://schemas.openxmlformats.org/presentationml/2006/main">
+  <p:cSld>
+    <p:spTree>
+      <p:nvGrpSpPr>
+        <p:cNvPr id="1" name=""/>
+        <p:cNvGrpSpPr/>
+        <p:nvPr/>
+      </p:nvGrpSpPr>
+      <p:grpSpPr>
+        <a:xfrm>
+          <a:off x="0" y="0"/>
+          <a:ext cx="0" cy="0"/>
+          <a:chOff x="0" y="0"/>
+          <a:chExt cx="0" cy="0"/>
+        </a:xfrm>
+      </p:grpSpPr>
+      <p:sp>
+        <p:nvSpPr>
+          <p:cNvPr id="5" name="CasellaDiTesto 4">
+            <a:extLst>
+              <a:ext uri="{FF2B5EF4-FFF2-40B4-BE49-F238E27FC236}">
+                <a16:creationId xmlns:a16="http://schemas.microsoft.com/office/drawing/2014/main" id="{84333A05-2E1C-A2DC-EC0E-253139F7CBE8}"/>
+              </a:ext>
+            </a:extLst>
+          </p:cNvPr>
+          <p:cNvSpPr txBox="1"/>
+          <p:nvPr/>
+        </p:nvSpPr>
+        <p:spPr>
+          <a:xfrm>
+            <a:off x="1384235" y="6000673"/>
+            <a:ext cx="9615054" cy="369332"/>
+          </a:xfrm>
+          <a:prstGeom prst="rect">
+            <a:avLst/>
+          </a:prstGeom>
+          <a:noFill/>
+        </p:spPr>
+        <p:txBody>
+          <a:bodyPr wrap="square" rtlCol="0">
+            <a:spAutoFit/>
+          </a:bodyPr>
+          <a:lstStyle/>
+          <a:p>
+            <a:pPr algn="ctr"/>
+            <a:r>
+              <a:rPr lang="it-IT" dirty="0" err="1"/>
+              <a:t>Requests</a:t>
+            </a:r>
+            <a:r>
+              <a:rPr lang="it-IT" dirty="0"/>
+              <a:t> for </a:t>
+            </a:r>
+            <a:r>
+              <a:rPr lang="it-IT" dirty="0" err="1"/>
+              <a:t>beer</a:t>
+            </a:r>
+            <a:r>
+              <a:rPr lang="it-IT" dirty="0"/>
+              <a:t> </a:t>
+            </a:r>
+            <a:r>
+              <a:rPr lang="it-IT" dirty="0" err="1"/>
+              <a:t>increase</a:t>
+            </a:r>
+            <a:endParaRPr lang="it-IT" dirty="0"/>
+          </a:p>
+        </p:txBody>
+      </p:sp>
+      <p:pic>
+        <p:nvPicPr>
+          <p:cNvPr id="3" name="Immagine 2" descr="Immagine che contiene Viso umano, persona, vestiti, bevanda&#10;&#10;Descrizione generata automaticamente">
+            <a:extLst>
+              <a:ext uri="{FF2B5EF4-FFF2-40B4-BE49-F238E27FC236}">
+                <a16:creationId xmlns:a16="http://schemas.microsoft.com/office/drawing/2014/main" id="{56670E72-C4E2-09D6-322D-3B96D3FA1037}"/>
+              </a:ext>
+            </a:extLst>
+          </p:cNvPr>
+          <p:cNvPicPr>
+            <a:picLocks noChangeAspect="1"/>
+          </p:cNvPicPr>
+          <p:nvPr/>
+        </p:nvPicPr>
+        <p:blipFill>
+          <a:blip r:embed="rId2">
+            <a:extLst>
+              <a:ext uri="{28A0092B-C50C-407E-A947-70E740481C1C}">
+                <a14:useLocalDpi xmlns:a14="http://schemas.microsoft.com/office/drawing/2010/main" val="0"/>
+              </a:ext>
+            </a:extLst>
+          </a:blip>
+          <a:stretch>
+            <a:fillRect/>
+          </a:stretch>
+        </p:blipFill>
+        <p:spPr>
+          <a:xfrm>
+            <a:off x="2438400" y="990600"/>
+            <a:ext cx="7315200" cy="4876800"/>
+          </a:xfrm>
+          <a:prstGeom prst="rect">
+            <a:avLst/>
+          </a:prstGeom>
+        </p:spPr>
+      </p:pic>
+    </p:spTree>
+    <p:extLst>
+      <p:ext uri="{BB962C8B-B14F-4D97-AF65-F5344CB8AC3E}">
+        <p14:creationId xmlns:p14="http://schemas.microsoft.com/office/powerpoint/2010/main" val="234295771"/>
+      </p:ext>
+    </p:extLst>
+  </p:cSld>
+  <p:clrMapOvr>
+    <a:masterClrMapping/>
+  </p:clrMapOvr>
+</p:sld>
+</file>
+
+<file path=ppt/slides/slide4.xml><?xml version="1.0" encoding="utf-8"?>
+<p:sld xmlns:a="http://schemas.openxmlformats.org/drawingml/2006/main" xmlns:r="http://schemas.openxmlformats.org/officeDocument/2006/relationships" xmlns:p="http://schemas.openxmlformats.org/presentationml/2006/main">
+  <p:cSld>
+    <p:spTree>
+      <p:nvGrpSpPr>
+        <p:cNvPr id="1" name=""/>
+        <p:cNvGrpSpPr/>
+        <p:nvPr/>
+      </p:nvGrpSpPr>
+      <p:grpSpPr>
+        <a:xfrm>
+          <a:off x="0" y="0"/>
+          <a:ext cx="0" cy="0"/>
+          <a:chOff x="0" y="0"/>
+          <a:chExt cx="0" cy="0"/>
+        </a:xfrm>
+      </p:grpSpPr>
+      <p:sp>
+        <p:nvSpPr>
+          <p:cNvPr id="5" name="CasellaDiTesto 4">
+            <a:extLst>
+              <a:ext uri="{FF2B5EF4-FFF2-40B4-BE49-F238E27FC236}">
+                <a16:creationId xmlns:a16="http://schemas.microsoft.com/office/drawing/2014/main" id="{84333A05-2E1C-A2DC-EC0E-253139F7CBE8}"/>
+              </a:ext>
+            </a:extLst>
+          </p:cNvPr>
+          <p:cNvSpPr txBox="1"/>
+          <p:nvPr/>
+        </p:nvSpPr>
+        <p:spPr>
+          <a:xfrm>
+            <a:off x="1384235" y="6000673"/>
+            <a:ext cx="9615054" cy="369332"/>
+          </a:xfrm>
+          <a:prstGeom prst="rect">
+            <a:avLst/>
+          </a:prstGeom>
+          <a:noFill/>
+        </p:spPr>
+        <p:txBody>
+          <a:bodyPr wrap="square" rtlCol="0">
+            <a:spAutoFit/>
+          </a:bodyPr>
+          <a:lstStyle/>
+          <a:p>
+            <a:pPr algn="ctr"/>
+            <a:r>
+              <a:rPr lang="it-IT" dirty="0"/>
+              <a:t>Too </a:t>
+            </a:r>
+            <a:r>
+              <a:rPr lang="it-IT" dirty="0" err="1"/>
+              <a:t>much</a:t>
+            </a:r>
+            <a:r>
+              <a:rPr lang="it-IT" dirty="0"/>
+              <a:t> </a:t>
+            </a:r>
+            <a:r>
+              <a:rPr lang="it-IT" dirty="0" err="1"/>
+              <a:t>orders</a:t>
+            </a:r>
+            <a:endParaRPr lang="it-IT" dirty="0"/>
+          </a:p>
+        </p:txBody>
+      </p:sp>
+      <p:pic>
+        <p:nvPicPr>
+          <p:cNvPr id="7" name="Immagine 6" descr="Immagine che contiene Viso umano, vestiti, persona, giacca&#10;&#10;Descrizione generata automaticamente">
+            <a:extLst>
+              <a:ext uri="{FF2B5EF4-FFF2-40B4-BE49-F238E27FC236}">
+                <a16:creationId xmlns:a16="http://schemas.microsoft.com/office/drawing/2014/main" id="{2298D662-D164-0D72-6A1F-10FB57564A78}"/>
+              </a:ext>
+            </a:extLst>
+          </p:cNvPr>
+          <p:cNvPicPr>
+            <a:picLocks noChangeAspect="1"/>
+          </p:cNvPicPr>
+          <p:nvPr/>
+        </p:nvPicPr>
+        <p:blipFill>
+          <a:blip r:embed="rId2">
+            <a:extLst>
+              <a:ext uri="{28A0092B-C50C-407E-A947-70E740481C1C}">
+                <a14:useLocalDpi xmlns:a14="http://schemas.microsoft.com/office/drawing/2010/main" val="0"/>
+              </a:ext>
+            </a:extLst>
+          </a:blip>
+          <a:stretch>
+            <a:fillRect/>
+          </a:stretch>
+        </p:blipFill>
+        <p:spPr>
+          <a:xfrm>
+            <a:off x="2438400" y="990600"/>
+            <a:ext cx="7315200" cy="4876800"/>
+          </a:xfrm>
+          <a:prstGeom prst="rect">
+            <a:avLst/>
+          </a:prstGeom>
+        </p:spPr>
+      </p:pic>
+    </p:spTree>
+    <p:extLst>
+      <p:ext uri="{BB962C8B-B14F-4D97-AF65-F5344CB8AC3E}">
+        <p14:creationId xmlns:p14="http://schemas.microsoft.com/office/powerpoint/2010/main" val="3255212938"/>
+      </p:ext>
+    </p:extLst>
+  </p:cSld>
+  <p:clrMapOvr>
+    <a:masterClrMapping/>
+  </p:clrMapOvr>
+</p:sld>
+</file>
+
+<file path=ppt/slides/slide5.xml><?xml version="1.0" encoding="utf-8"?>
+<p:sld xmlns:a="http://schemas.openxmlformats.org/drawingml/2006/main" xmlns:r="http://schemas.openxmlformats.org/officeDocument/2006/relationships" xmlns:p="http://schemas.openxmlformats.org/presentationml/2006/main">
+  <p:cSld>
+    <p:spTree>
+      <p:nvGrpSpPr>
+        <p:cNvPr id="1" name=""/>
+        <p:cNvGrpSpPr/>
+        <p:nvPr/>
+      </p:nvGrpSpPr>
+      <p:grpSpPr>
+        <a:xfrm>
+          <a:off x="0" y="0"/>
+          <a:ext cx="0" cy="0"/>
+          <a:chOff x="0" y="0"/>
+          <a:chExt cx="0" cy="0"/>
+        </a:xfrm>
+      </p:grpSpPr>
+      <p:pic>
+        <p:nvPicPr>
+          <p:cNvPr id="3" name="Immagine 2" descr="Immagine che contiene Viso umano, persona, bevanda, interno&#10;&#10;Descrizione generata automaticamente">
+            <a:extLst>
+              <a:ext uri="{FF2B5EF4-FFF2-40B4-BE49-F238E27FC236}">
+                <a16:creationId xmlns:a16="http://schemas.microsoft.com/office/drawing/2014/main" id="{3E0D40FD-6F0E-9FA4-874A-ABD5CBF4D0E2}"/>
+              </a:ext>
+            </a:extLst>
+          </p:cNvPr>
+          <p:cNvPicPr>
+            <a:picLocks noChangeAspect="1"/>
+          </p:cNvPicPr>
+          <p:nvPr/>
+        </p:nvPicPr>
+        <p:blipFill>
+          <a:blip r:embed="rId2">
+            <a:extLst>
+              <a:ext uri="{28A0092B-C50C-407E-A947-70E740481C1C}">
+                <a14:useLocalDpi xmlns:a14="http://schemas.microsoft.com/office/drawing/2010/main" val="0"/>
+              </a:ext>
+            </a:extLst>
+          </a:blip>
+          <a:stretch>
+            <a:fillRect/>
+          </a:stretch>
+        </p:blipFill>
+        <p:spPr>
+          <a:xfrm>
+            <a:off x="2438400" y="990600"/>
+            <a:ext cx="7315200" cy="4876800"/>
+          </a:xfrm>
+          <a:prstGeom prst="rect">
+            <a:avLst/>
+          </a:prstGeom>
+        </p:spPr>
+      </p:pic>
+      <p:sp>
+        <p:nvSpPr>
+          <p:cNvPr id="2" name="CasellaDiTesto 1">
+            <a:extLst>
+              <a:ext uri="{FF2B5EF4-FFF2-40B4-BE49-F238E27FC236}">
+                <a16:creationId xmlns:a16="http://schemas.microsoft.com/office/drawing/2014/main" id="{B9758717-0805-6964-6A73-498F2476C096}"/>
+              </a:ext>
+            </a:extLst>
+          </p:cNvPr>
+          <p:cNvSpPr txBox="1"/>
+          <p:nvPr/>
+        </p:nvSpPr>
+        <p:spPr>
+          <a:xfrm>
+            <a:off x="1384235" y="6000673"/>
+            <a:ext cx="9615054" cy="369332"/>
+          </a:xfrm>
+          <a:prstGeom prst="rect">
+            <a:avLst/>
+          </a:prstGeom>
+          <a:noFill/>
+        </p:spPr>
+        <p:txBody>
+          <a:bodyPr wrap="square" rtlCol="0">
+            <a:spAutoFit/>
+          </a:bodyPr>
+          <a:lstStyle/>
+          <a:p>
+            <a:pPr algn="ctr"/>
+            <a:r>
+              <a:rPr lang="it-IT"/>
+              <a:t>Distributed Systems</a:t>
+            </a:r>
+            <a:endParaRPr lang="it-IT" dirty="0"/>
+          </a:p>
+        </p:txBody>
+      </p:sp>
+    </p:spTree>
+    <p:extLst>
+      <p:ext uri="{BB962C8B-B14F-4D97-AF65-F5344CB8AC3E}">
         <p14:creationId xmlns:p14="http://schemas.microsoft.com/office/powerpoint/2010/main" val="1392314030"/>
       </p:ext>
     </p:extLst>
@@ -3371,7 +3869,117 @@
 </p:sld>
 </file>
 
-<file path=ppt/slides/slide2.xml><?xml version="1.0" encoding="utf-8"?>
+<file path=ppt/slides/slide6.xml><?xml version="1.0" encoding="utf-8"?>
+<p:sld xmlns:a="http://schemas.openxmlformats.org/drawingml/2006/main" xmlns:r="http://schemas.openxmlformats.org/officeDocument/2006/relationships" xmlns:p="http://schemas.openxmlformats.org/presentationml/2006/main">
+  <p:cSld>
+    <p:spTree>
+      <p:nvGrpSpPr>
+        <p:cNvPr id="1" name=""/>
+        <p:cNvGrpSpPr/>
+        <p:nvPr/>
+      </p:nvGrpSpPr>
+      <p:grpSpPr>
+        <a:xfrm>
+          <a:off x="0" y="0"/>
+          <a:ext cx="0" cy="0"/>
+          <a:chOff x="0" y="0"/>
+          <a:chExt cx="0" cy="0"/>
+        </a:xfrm>
+      </p:grpSpPr>
+      <p:pic>
+        <p:nvPicPr>
+          <p:cNvPr id="4" name="Immagine 3" descr="Immagine che contiene uomo, interno, bevanda, persone&#10;&#10;Descrizione generata automaticamente">
+            <a:extLst>
+              <a:ext uri="{FF2B5EF4-FFF2-40B4-BE49-F238E27FC236}">
+                <a16:creationId xmlns:a16="http://schemas.microsoft.com/office/drawing/2014/main" id="{A70F36CE-1A4C-0BDC-E761-CF0186747D26}"/>
+              </a:ext>
+            </a:extLst>
+          </p:cNvPr>
+          <p:cNvPicPr>
+            <a:picLocks noChangeAspect="1"/>
+          </p:cNvPicPr>
+          <p:nvPr/>
+        </p:nvPicPr>
+        <p:blipFill>
+          <a:blip r:embed="rId2">
+            <a:extLst>
+              <a:ext uri="{28A0092B-C50C-407E-A947-70E740481C1C}">
+                <a14:useLocalDpi xmlns:a14="http://schemas.microsoft.com/office/drawing/2010/main" val="0"/>
+              </a:ext>
+            </a:extLst>
+          </a:blip>
+          <a:stretch>
+            <a:fillRect/>
+          </a:stretch>
+        </p:blipFill>
+        <p:spPr>
+          <a:xfrm>
+            <a:off x="2438400" y="325583"/>
+            <a:ext cx="7315200" cy="4876800"/>
+          </a:xfrm>
+          <a:prstGeom prst="rect">
+            <a:avLst/>
+          </a:prstGeom>
+        </p:spPr>
+      </p:pic>
+      <p:sp>
+        <p:nvSpPr>
+          <p:cNvPr id="5" name="CasellaDiTesto 4">
+            <a:extLst>
+              <a:ext uri="{FF2B5EF4-FFF2-40B4-BE49-F238E27FC236}">
+                <a16:creationId xmlns:a16="http://schemas.microsoft.com/office/drawing/2014/main" id="{84333A05-2E1C-A2DC-EC0E-253139F7CBE8}"/>
+              </a:ext>
+            </a:extLst>
+          </p:cNvPr>
+          <p:cNvSpPr txBox="1"/>
+          <p:nvPr/>
+        </p:nvSpPr>
+        <p:spPr>
+          <a:xfrm>
+            <a:off x="1366982" y="5828145"/>
+            <a:ext cx="9615054" cy="369332"/>
+          </a:xfrm>
+          <a:prstGeom prst="rect">
+            <a:avLst/>
+          </a:prstGeom>
+          <a:noFill/>
+        </p:spPr>
+        <p:txBody>
+          <a:bodyPr wrap="square" rtlCol="0">
+            <a:spAutoFit/>
+          </a:bodyPr>
+          <a:lstStyle/>
+          <a:p>
+            <a:pPr algn="ctr"/>
+            <a:r>
+              <a:rPr lang="it-IT" dirty="0"/>
+              <a:t>Saga: a long story of </a:t>
+            </a:r>
+            <a:r>
+              <a:rPr lang="it-IT" dirty="0" err="1"/>
+              <a:t>heroic</a:t>
+            </a:r>
+            <a:r>
+              <a:rPr lang="it-IT" dirty="0"/>
+              <a:t> achievement</a:t>
+            </a:r>
+          </a:p>
+        </p:txBody>
+      </p:sp>
+    </p:spTree>
+    <p:extLst>
+      <p:ext uri="{BB962C8B-B14F-4D97-AF65-F5344CB8AC3E}">
+        <p14:creationId xmlns:p14="http://schemas.microsoft.com/office/powerpoint/2010/main" val="3587179540"/>
+      </p:ext>
+    </p:extLst>
+  </p:cSld>
+  <p:clrMapOvr>
+    <a:masterClrMapping/>
+  </p:clrMapOvr>
+</p:sld>
+</file>
+
+<file path=ppt/slides/slide7.xml><?xml version="1.0" encoding="utf-8"?>
 <p:sld xmlns:a="http://schemas.openxmlformats.org/drawingml/2006/main" xmlns:r="http://schemas.openxmlformats.org/officeDocument/2006/relationships" xmlns:p="http://schemas.openxmlformats.org/presentationml/2006/main">
   <p:cSld>
     <p:spTree>

--- a/slides/Ideas.pptx
+++ b/slides/Ideas.pptx
@@ -265,7 +265,7 @@
           <a:p>
             <a:fld id="{76D42F78-6B7D-4A7B-B0D8-3836E1A654CB}" type="datetimeFigureOut">
               <a:rPr lang="it-IT" smtClean="0"/>
-              <a:t>07/01/2024</a:t>
+              <a:t>08/01/2024</a:t>
             </a:fld>
             <a:endParaRPr lang="it-IT"/>
           </a:p>
@@ -463,7 +463,7 @@
           <a:p>
             <a:fld id="{76D42F78-6B7D-4A7B-B0D8-3836E1A654CB}" type="datetimeFigureOut">
               <a:rPr lang="it-IT" smtClean="0"/>
-              <a:t>07/01/2024</a:t>
+              <a:t>08/01/2024</a:t>
             </a:fld>
             <a:endParaRPr lang="it-IT"/>
           </a:p>
@@ -671,7 +671,7 @@
           <a:p>
             <a:fld id="{76D42F78-6B7D-4A7B-B0D8-3836E1A654CB}" type="datetimeFigureOut">
               <a:rPr lang="it-IT" smtClean="0"/>
-              <a:t>07/01/2024</a:t>
+              <a:t>08/01/2024</a:t>
             </a:fld>
             <a:endParaRPr lang="it-IT"/>
           </a:p>
@@ -869,7 +869,7 @@
           <a:p>
             <a:fld id="{76D42F78-6B7D-4A7B-B0D8-3836E1A654CB}" type="datetimeFigureOut">
               <a:rPr lang="it-IT" smtClean="0"/>
-              <a:t>07/01/2024</a:t>
+              <a:t>08/01/2024</a:t>
             </a:fld>
             <a:endParaRPr lang="it-IT"/>
           </a:p>
@@ -1144,7 +1144,7 @@
           <a:p>
             <a:fld id="{76D42F78-6B7D-4A7B-B0D8-3836E1A654CB}" type="datetimeFigureOut">
               <a:rPr lang="it-IT" smtClean="0"/>
-              <a:t>07/01/2024</a:t>
+              <a:t>08/01/2024</a:t>
             </a:fld>
             <a:endParaRPr lang="it-IT"/>
           </a:p>
@@ -1409,7 +1409,7 @@
           <a:p>
             <a:fld id="{76D42F78-6B7D-4A7B-B0D8-3836E1A654CB}" type="datetimeFigureOut">
               <a:rPr lang="it-IT" smtClean="0"/>
-              <a:t>07/01/2024</a:t>
+              <a:t>08/01/2024</a:t>
             </a:fld>
             <a:endParaRPr lang="it-IT"/>
           </a:p>
@@ -1821,7 +1821,7 @@
           <a:p>
             <a:fld id="{76D42F78-6B7D-4A7B-B0D8-3836E1A654CB}" type="datetimeFigureOut">
               <a:rPr lang="it-IT" smtClean="0"/>
-              <a:t>07/01/2024</a:t>
+              <a:t>08/01/2024</a:t>
             </a:fld>
             <a:endParaRPr lang="it-IT"/>
           </a:p>
@@ -1962,7 +1962,7 @@
           <a:p>
             <a:fld id="{76D42F78-6B7D-4A7B-B0D8-3836E1A654CB}" type="datetimeFigureOut">
               <a:rPr lang="it-IT" smtClean="0"/>
-              <a:t>07/01/2024</a:t>
+              <a:t>08/01/2024</a:t>
             </a:fld>
             <a:endParaRPr lang="it-IT"/>
           </a:p>
@@ -2075,7 +2075,7 @@
           <a:p>
             <a:fld id="{76D42F78-6B7D-4A7B-B0D8-3836E1A654CB}" type="datetimeFigureOut">
               <a:rPr lang="it-IT" smtClean="0"/>
-              <a:t>07/01/2024</a:t>
+              <a:t>08/01/2024</a:t>
             </a:fld>
             <a:endParaRPr lang="it-IT"/>
           </a:p>
@@ -2386,7 +2386,7 @@
           <a:p>
             <a:fld id="{76D42F78-6B7D-4A7B-B0D8-3836E1A654CB}" type="datetimeFigureOut">
               <a:rPr lang="it-IT" smtClean="0"/>
-              <a:t>07/01/2024</a:t>
+              <a:t>08/01/2024</a:t>
             </a:fld>
             <a:endParaRPr lang="it-IT"/>
           </a:p>
@@ -2674,7 +2674,7 @@
           <a:p>
             <a:fld id="{76D42F78-6B7D-4A7B-B0D8-3836E1A654CB}" type="datetimeFigureOut">
               <a:rPr lang="it-IT" smtClean="0"/>
-              <a:t>07/01/2024</a:t>
+              <a:t>08/01/2024</a:t>
             </a:fld>
             <a:endParaRPr lang="it-IT"/>
           </a:p>
@@ -2915,7 +2915,7 @@
           <a:p>
             <a:fld id="{76D42F78-6B7D-4A7B-B0D8-3836E1A654CB}" type="datetimeFigureOut">
               <a:rPr lang="it-IT" smtClean="0"/>
-              <a:t>07/01/2024</a:t>
+              <a:t>08/01/2024</a:t>
             </a:fld>
             <a:endParaRPr lang="it-IT"/>
           </a:p>
